--- a/Pulsera para identificación de personas en estado de inconciencia ultima verción.pptx
+++ b/Pulsera para identificación de personas en estado de inconciencia ultima verción.pptx
@@ -2932,8 +2932,8 @@
         </p:nvSpPr>
         <p:spPr>
           <a:xfrm>
-            <a:off x="382867" y="1245804"/>
-            <a:ext cx="8033769" cy="3580339"/>
+            <a:off x="289349" y="1164206"/>
+            <a:ext cx="8033769" cy="3979294"/>
           </a:xfrm>
           <a:prstGeom prst="rect">
             <a:avLst/>
@@ -3239,6 +3239,30 @@
                 <a:cs typeface="Times New Roman" panose="02020603050405020304" pitchFamily="18" charset="0"/>
               </a:rPr>
               <a:t>procesos.</a:t>
+            </a:r>
+          </a:p>
+          <a:p>
+            <a:pPr marL="285750" indent="-285750">
+              <a:lnSpc>
+                <a:spcPct val="107000"/>
+              </a:lnSpc>
+              <a:spcAft>
+                <a:spcPts val="800"/>
+              </a:spcAft>
+              <a:buFont typeface="Arial" panose="020B0604020202020204" pitchFamily="34" charset="0"/>
+              <a:buChar char="•"/>
+            </a:pPr>
+            <a:r>
+              <a:rPr lang="es-MX" dirty="0" smtClean="0">
+                <a:latin typeface="Calibri" panose="020F0502020204030204" pitchFamily="34" charset="0"/>
+                <a:ea typeface="Calibri" panose="020F0502020204030204" pitchFamily="34" charset="0"/>
+                <a:cs typeface="Times New Roman" panose="02020603050405020304" pitchFamily="18" charset="0"/>
+              </a:rPr>
+              <a:t>Creamos un repositorio en </a:t>
+            </a:r>
+            <a:r>
+              <a:rPr lang="es-CO" dirty="0" smtClean="0"/>
+              <a:t>GitHub, y subimos los archivos.</a:t>
             </a:r>
             <a:endParaRPr lang="es-CO" dirty="0">
               <a:latin typeface="Calibri" panose="020F0502020204030204" pitchFamily="34" charset="0"/>
@@ -3311,21 +3335,27 @@
       </p:sp>
       <p:pic>
         <p:nvPicPr>
-          <p:cNvPr id="3" name="Imagen 2"/>
+          <p:cNvPr id="4" name="Imagen 3"/>
           <p:cNvPicPr>
             <a:picLocks noChangeAspect="1"/>
           </p:cNvPicPr>
           <p:nvPr/>
         </p:nvPicPr>
         <p:blipFill rotWithShape="1">
-          <a:blip r:embed="rId3"/>
-          <a:srcRect l="6538" t="9755" r="8112" b="4586"/>
+          <a:blip r:embed="rId3">
+            <a:extLst>
+              <a:ext uri="{28A0092B-C50C-407E-A947-70E740481C1C}">
+                <a14:useLocalDpi xmlns:a14="http://schemas.microsoft.com/office/drawing/2010/main" val="0"/>
+              </a:ext>
+            </a:extLst>
+          </a:blip>
+          <a:srcRect l="8181" t="4826" r="11250" b="22209"/>
           <a:stretch/>
         </p:blipFill>
         <p:spPr>
           <a:xfrm>
-            <a:off x="2005446" y="1156216"/>
-            <a:ext cx="5598223" cy="3158837"/>
+            <a:off x="1981572" y="1156216"/>
+            <a:ext cx="6203375" cy="3158559"/>
           </a:xfrm>
           <a:prstGeom prst="rect">
             <a:avLst/>

--- a/Pulsera para identificación de personas en estado de inconciencia ultima verción.pptx
+++ b/Pulsera para identificación de personas en estado de inconciencia ultima verción.pptx
@@ -19,12 +19,13 @@
     <p:sldId id="268" r:id="rId13"/>
     <p:sldId id="274" r:id="rId14"/>
     <p:sldId id="275" r:id="rId15"/>
-    <p:sldId id="276" r:id="rId16"/>
-    <p:sldId id="277" r:id="rId17"/>
-    <p:sldId id="278" r:id="rId18"/>
-    <p:sldId id="279" r:id="rId19"/>
-    <p:sldId id="281" r:id="rId20"/>
-    <p:sldId id="280" r:id="rId21"/>
+    <p:sldId id="282" r:id="rId16"/>
+    <p:sldId id="276" r:id="rId17"/>
+    <p:sldId id="277" r:id="rId18"/>
+    <p:sldId id="278" r:id="rId19"/>
+    <p:sldId id="279" r:id="rId20"/>
+    <p:sldId id="281" r:id="rId21"/>
+    <p:sldId id="280" r:id="rId22"/>
   </p:sldIdLst>
   <p:sldSz cx="9144000" cy="5143500" type="screen16x9"/>
   <p:notesSz cx="6858000" cy="9144000"/>
@@ -311,7 +312,7 @@
           <a:p>
             <a:fld id="{B3030C24-9424-B24A-8613-79990C3AA492}" type="datetimeFigureOut">
               <a:rPr lang="es-ES" smtClean="0"/>
-              <a:t>01/04/2020</a:t>
+              <a:t>02/04/2020</a:t>
             </a:fld>
             <a:endParaRPr lang="es-ES"/>
           </a:p>
@@ -491,7 +492,7 @@
           <a:p>
             <a:fld id="{B3030C24-9424-B24A-8613-79990C3AA492}" type="datetimeFigureOut">
               <a:rPr lang="es-ES" smtClean="0"/>
-              <a:t>01/04/2020</a:t>
+              <a:t>02/04/2020</a:t>
             </a:fld>
             <a:endParaRPr lang="es-ES"/>
           </a:p>
@@ -1128,7 +1129,7 @@
           <a:p>
             <a:fld id="{B3030C24-9424-B24A-8613-79990C3AA492}" type="datetimeFigureOut">
               <a:rPr lang="es-ES" smtClean="0"/>
-              <a:t>01/04/2020</a:t>
+              <a:t>02/04/2020</a:t>
             </a:fld>
             <a:endParaRPr lang="es-ES"/>
           </a:p>
@@ -1381,7 +1382,7 @@
           <a:p>
             <a:fld id="{B3030C24-9424-B24A-8613-79990C3AA492}" type="datetimeFigureOut">
               <a:rPr lang="es-ES" smtClean="0"/>
-              <a:t>01/04/2020</a:t>
+              <a:t>02/04/2020</a:t>
             </a:fld>
             <a:endParaRPr lang="es-ES"/>
           </a:p>
@@ -1594,7 +1595,7 @@
           <a:p>
             <a:fld id="{B3030C24-9424-B24A-8613-79990C3AA492}" type="datetimeFigureOut">
               <a:rPr lang="es-ES" smtClean="0"/>
-              <a:t>01/04/2020</a:t>
+              <a:t>02/04/2020</a:t>
             </a:fld>
             <a:endParaRPr lang="es-ES"/>
           </a:p>
@@ -2228,6 +2229,13 @@
   <p:clrMapOvr>
     <a:masterClrMapping/>
   </p:clrMapOvr>
+  <p:timing>
+    <p:tnLst>
+      <p:par>
+        <p:cTn id="1" dur="indefinite" restart="never" nodeType="tmRoot"/>
+      </p:par>
+    </p:tnLst>
+  </p:timing>
 </p:sld>
 </file>
 
@@ -2518,6 +2526,13 @@
   <p:clrMapOvr>
     <a:masterClrMapping/>
   </p:clrMapOvr>
+  <p:timing>
+    <p:tnLst>
+      <p:par>
+        <p:cTn id="1" dur="indefinite" restart="never" nodeType="tmRoot"/>
+      </p:par>
+    </p:tnLst>
+  </p:timing>
 </p:sld>
 </file>
 
@@ -2629,6 +2644,13 @@
   <p:clrMapOvr>
     <a:masterClrMapping/>
   </p:clrMapOvr>
+  <p:timing>
+    <p:tnLst>
+      <p:par>
+        <p:cTn id="1" dur="indefinite" restart="never" nodeType="tmRoot"/>
+      </p:par>
+    </p:tnLst>
+  </p:timing>
 </p:sld>
 </file>
 
@@ -2657,8 +2679,8 @@
         </p:nvSpPr>
         <p:spPr>
           <a:xfrm>
-            <a:off x="477980" y="529936"/>
-            <a:ext cx="7678884" cy="2831544"/>
+            <a:off x="477980" y="633845"/>
+            <a:ext cx="7678884" cy="2339102"/>
           </a:xfrm>
           <a:prstGeom prst="rect">
             <a:avLst/>
@@ -2674,18 +2696,15 @@
             <a:pPr algn="just"/>
             <a:r>
               <a:rPr lang="es-CO" sz="3200" b="1" dirty="0" smtClean="0"/>
-              <a:t>Impacto económico: </a:t>
-            </a:r>
-            <a:r>
-              <a:rPr lang="es-CO" sz="3200" b="1" dirty="0"/>
-              <a:t> </a:t>
-            </a:r>
-            <a:r>
-              <a:rPr lang="es-CO" sz="3200" dirty="0"/>
-              <a:t>Los materiales para la fabricación de la manilla no son elevados, por consiguiente, será más accesible económicamente para los usuarios al momento de obtenerla.</a:t>
-            </a:r>
-          </a:p>
-          <a:p>
+              <a:t>Impacto ambiental:</a:t>
+            </a:r>
+            <a:r>
+              <a:rPr lang="es-MX" sz="3200" dirty="0"/>
+              <a:t>Los materiales para el desarrollo de la manilla pueden ser no reciclables, pero al funcionar a largo plazo no genera un gran impacto ambiental.</a:t>
+            </a:r>
+          </a:p>
+          <a:p>
+            <a:pPr algn="just"/>
             <a:endParaRPr lang="es-CO" dirty="0"/>
           </a:p>
         </p:txBody>
@@ -2693,13 +2712,20 @@
     </p:spTree>
     <p:extLst>
       <p:ext uri="{BB962C8B-B14F-4D97-AF65-F5344CB8AC3E}">
-        <p14:creationId xmlns:p14="http://schemas.microsoft.com/office/powerpoint/2010/main" val="1524763889"/>
+        <p14:creationId xmlns:p14="http://schemas.microsoft.com/office/powerpoint/2010/main" val="3585663076"/>
       </p:ext>
     </p:extLst>
   </p:cSld>
   <p:clrMapOvr>
     <a:masterClrMapping/>
   </p:clrMapOvr>
+  <p:timing>
+    <p:tnLst>
+      <p:par>
+        <p:cTn id="1" dur="indefinite" restart="never" nodeType="tmRoot"/>
+      </p:par>
+    </p:tnLst>
+  </p:timing>
 </p:sld>
 </file>
 
@@ -2728,8 +2754,8 @@
         </p:nvSpPr>
         <p:spPr>
           <a:xfrm>
-            <a:off x="405245" y="332508"/>
-            <a:ext cx="7658101" cy="3816429"/>
+            <a:off x="477980" y="529936"/>
+            <a:ext cx="7678884" cy="2831544"/>
           </a:xfrm>
           <a:prstGeom prst="rect">
             <a:avLst/>
@@ -2745,13 +2771,16 @@
             <a:pPr algn="just"/>
             <a:r>
               <a:rPr lang="es-CO" sz="3200" b="1" dirty="0" smtClean="0"/>
-              <a:t>Impacto tecnológico: </a:t>
-            </a:r>
-            <a:r>
-              <a:rPr lang="es-MX" sz="3200" dirty="0"/>
-              <a:t>El proyecto ayudará a las personas en estado de inconsciencia a tener una buena atención básica en salud, ya que por medio de la pulsera los organismos de emergencia tendrán a la mano la identificación e información del paciente de una manera tecnológica.</a:t>
-            </a:r>
-            <a:endParaRPr lang="es-CO" sz="3200" dirty="0"/>
+              <a:t>Impacto económico: </a:t>
+            </a:r>
+            <a:r>
+              <a:rPr lang="es-CO" sz="3200" b="1" dirty="0"/>
+              <a:t> </a:t>
+            </a:r>
+            <a:r>
+              <a:rPr lang="es-CO" sz="3200" dirty="0"/>
+              <a:t>Los materiales para la fabricación de la manilla no son elevados, por consiguiente, será más accesible económicamente para los usuarios al momento de obtenerla.</a:t>
+            </a:r>
           </a:p>
           <a:p>
             <a:endParaRPr lang="es-CO" dirty="0"/>
@@ -2761,13 +2790,20 @@
     </p:spTree>
     <p:extLst>
       <p:ext uri="{BB962C8B-B14F-4D97-AF65-F5344CB8AC3E}">
-        <p14:creationId xmlns:p14="http://schemas.microsoft.com/office/powerpoint/2010/main" val="981732975"/>
+        <p14:creationId xmlns:p14="http://schemas.microsoft.com/office/powerpoint/2010/main" val="1524763889"/>
       </p:ext>
     </p:extLst>
   </p:cSld>
   <p:clrMapOvr>
     <a:masterClrMapping/>
   </p:clrMapOvr>
+  <p:timing>
+    <p:tnLst>
+      <p:par>
+        <p:cTn id="1" dur="indefinite" restart="never" nodeType="tmRoot"/>
+      </p:par>
+    </p:tnLst>
+  </p:timing>
 </p:sld>
 </file>
 
@@ -2796,6 +2832,81 @@
         </p:nvSpPr>
         <p:spPr>
           <a:xfrm>
+            <a:off x="405245" y="332508"/>
+            <a:ext cx="7658101" cy="3816429"/>
+          </a:xfrm>
+          <a:prstGeom prst="rect">
+            <a:avLst/>
+          </a:prstGeom>
+          <a:noFill/>
+        </p:spPr>
+        <p:txBody>
+          <a:bodyPr wrap="square" rtlCol="0">
+            <a:spAutoFit/>
+          </a:bodyPr>
+          <a:lstStyle/>
+          <a:p>
+            <a:pPr algn="just"/>
+            <a:r>
+              <a:rPr lang="es-CO" sz="3200" b="1" dirty="0" smtClean="0"/>
+              <a:t>Impacto tecnológico: </a:t>
+            </a:r>
+            <a:r>
+              <a:rPr lang="es-MX" sz="3200" dirty="0"/>
+              <a:t>El proyecto ayudará a las personas en estado de inconsciencia a tener una buena atención básica en salud, ya que por medio de la pulsera los organismos de emergencia tendrán a la mano la identificación e información del paciente de una manera tecnológica.</a:t>
+            </a:r>
+            <a:endParaRPr lang="es-CO" sz="3200" dirty="0"/>
+          </a:p>
+          <a:p>
+            <a:endParaRPr lang="es-CO" dirty="0"/>
+          </a:p>
+        </p:txBody>
+      </p:sp>
+    </p:spTree>
+    <p:extLst>
+      <p:ext uri="{BB962C8B-B14F-4D97-AF65-F5344CB8AC3E}">
+        <p14:creationId xmlns:p14="http://schemas.microsoft.com/office/powerpoint/2010/main" val="981732975"/>
+      </p:ext>
+    </p:extLst>
+  </p:cSld>
+  <p:clrMapOvr>
+    <a:masterClrMapping/>
+  </p:clrMapOvr>
+  <p:timing>
+    <p:tnLst>
+      <p:par>
+        <p:cTn id="1" dur="indefinite" restart="never" nodeType="tmRoot"/>
+      </p:par>
+    </p:tnLst>
+  </p:timing>
+</p:sld>
+</file>
+
+<file path=ppt/slides/slide18.xml><?xml version="1.0" encoding="utf-8"?>
+<p:sld xmlns:a="http://schemas.openxmlformats.org/drawingml/2006/main" xmlns:r="http://schemas.openxmlformats.org/officeDocument/2006/relationships" xmlns:p="http://schemas.openxmlformats.org/presentationml/2006/main">
+  <p:cSld>
+    <p:spTree>
+      <p:nvGrpSpPr>
+        <p:cNvPr id="1" name=""/>
+        <p:cNvGrpSpPr/>
+        <p:nvPr/>
+      </p:nvGrpSpPr>
+      <p:grpSpPr>
+        <a:xfrm>
+          <a:off x="0" y="0"/>
+          <a:ext cx="0" cy="0"/>
+          <a:chOff x="0" y="0"/>
+          <a:chExt cx="0" cy="0"/>
+        </a:xfrm>
+      </p:grpSpPr>
+      <p:sp>
+        <p:nvSpPr>
+          <p:cNvPr id="2" name="CuadroTexto 1"/>
+          <p:cNvSpPr txBox="1"/>
+          <p:nvPr/>
+        </p:nvSpPr>
+        <p:spPr>
+          <a:xfrm>
             <a:off x="382867" y="249495"/>
             <a:ext cx="4106005" cy="646331"/>
           </a:xfrm>
@@ -2866,422 +2977,13 @@
   <p:clrMapOvr>
     <a:masterClrMapping/>
   </p:clrMapOvr>
-</p:sld>
-</file>
-
-<file path=ppt/slides/slide18.xml><?xml version="1.0" encoding="utf-8"?>
-<p:sld xmlns:a="http://schemas.openxmlformats.org/drawingml/2006/main" xmlns:r="http://schemas.openxmlformats.org/officeDocument/2006/relationships" xmlns:p="http://schemas.openxmlformats.org/presentationml/2006/main">
-  <p:cSld>
-    <p:spTree>
-      <p:nvGrpSpPr>
-        <p:cNvPr id="1" name=""/>
-        <p:cNvGrpSpPr/>
-        <p:nvPr/>
-      </p:nvGrpSpPr>
-      <p:grpSpPr>
-        <a:xfrm>
-          <a:off x="0" y="0"/>
-          <a:ext cx="0" cy="0"/>
-          <a:chOff x="0" y="0"/>
-          <a:chExt cx="0" cy="0"/>
-        </a:xfrm>
-      </p:grpSpPr>
-      <p:sp>
-        <p:nvSpPr>
-          <p:cNvPr id="2" name="CuadroTexto 1"/>
-          <p:cNvSpPr txBox="1"/>
-          <p:nvPr/>
-        </p:nvSpPr>
-        <p:spPr>
-          <a:xfrm>
-            <a:off x="382867" y="249495"/>
-            <a:ext cx="4106005" cy="646331"/>
-          </a:xfrm>
-          <a:prstGeom prst="rect">
-            <a:avLst/>
-          </a:prstGeom>
-          <a:noFill/>
-        </p:spPr>
-        <p:txBody>
-          <a:bodyPr wrap="square" rtlCol="0">
-            <a:spAutoFit/>
-          </a:bodyPr>
-          <a:lstStyle/>
-          <a:p>
-            <a:r>
-              <a:rPr lang="es-ES" sz="3600" b="1" dirty="0" smtClean="0">
-                <a:solidFill>
-                  <a:schemeClr val="bg1"/>
-                </a:solidFill>
-              </a:rPr>
-              <a:t>Avances</a:t>
-            </a:r>
-            <a:endParaRPr lang="es-ES" sz="3600" b="1" dirty="0">
-              <a:solidFill>
-                <a:schemeClr val="bg1"/>
-              </a:solidFill>
-            </a:endParaRPr>
-          </a:p>
-        </p:txBody>
-      </p:sp>
-      <p:sp>
-        <p:nvSpPr>
-          <p:cNvPr id="3" name="Rectángulo 2"/>
-          <p:cNvSpPr/>
-          <p:nvPr/>
-        </p:nvSpPr>
-        <p:spPr>
-          <a:xfrm>
-            <a:off x="289349" y="1164206"/>
-            <a:ext cx="8033769" cy="3979294"/>
-          </a:xfrm>
-          <a:prstGeom prst="rect">
-            <a:avLst/>
-          </a:prstGeom>
-        </p:spPr>
-        <p:txBody>
-          <a:bodyPr wrap="square">
-            <a:spAutoFit/>
-          </a:bodyPr>
-          <a:lstStyle/>
-          <a:p>
-            <a:pPr>
-              <a:lnSpc>
-                <a:spcPct val="107000"/>
-              </a:lnSpc>
-              <a:spcAft>
-                <a:spcPts val="800"/>
-              </a:spcAft>
-            </a:pPr>
-            <a:r>
-              <a:rPr lang="es-MX" dirty="0">
-                <a:latin typeface="Calibri" panose="020F0502020204030204" pitchFamily="34" charset="0"/>
-                <a:ea typeface="Calibri" panose="020F0502020204030204" pitchFamily="34" charset="0"/>
-                <a:cs typeface="Times New Roman" panose="02020603050405020304" pitchFamily="18" charset="0"/>
-              </a:rPr>
-              <a:t>Los cambios y avances que ha tenido nuestro proyecto son las siguientes</a:t>
-            </a:r>
-            <a:r>
-              <a:rPr lang="es-MX" dirty="0" smtClean="0">
-                <a:latin typeface="Calibri" panose="020F0502020204030204" pitchFamily="34" charset="0"/>
-                <a:ea typeface="Calibri" panose="020F0502020204030204" pitchFamily="34" charset="0"/>
-                <a:cs typeface="Times New Roman" panose="02020603050405020304" pitchFamily="18" charset="0"/>
-              </a:rPr>
-              <a:t>:</a:t>
-            </a:r>
-          </a:p>
-          <a:p>
-            <a:pPr marL="285750" indent="-285750">
-              <a:lnSpc>
-                <a:spcPct val="107000"/>
-              </a:lnSpc>
-              <a:spcAft>
-                <a:spcPts val="800"/>
-              </a:spcAft>
-              <a:buFont typeface="Arial" panose="020B0604020202020204" pitchFamily="34" charset="0"/>
-              <a:buChar char="•"/>
-            </a:pPr>
-            <a:r>
-              <a:rPr lang="es-MX" dirty="0">
-                <a:latin typeface="Calibri" panose="020F0502020204030204" pitchFamily="34" charset="0"/>
-                <a:ea typeface="Calibri" panose="020F0502020204030204" pitchFamily="34" charset="0"/>
-                <a:cs typeface="Times New Roman" panose="02020603050405020304" pitchFamily="18" charset="0"/>
-              </a:rPr>
-              <a:t>Realizamos la encuesta</a:t>
-            </a:r>
-            <a:r>
-              <a:rPr lang="es-MX" dirty="0" smtClean="0">
-                <a:latin typeface="Calibri" panose="020F0502020204030204" pitchFamily="34" charset="0"/>
-                <a:ea typeface="Calibri" panose="020F0502020204030204" pitchFamily="34" charset="0"/>
-                <a:cs typeface="Times New Roman" panose="02020603050405020304" pitchFamily="18" charset="0"/>
-              </a:rPr>
-              <a:t>.</a:t>
-            </a:r>
-          </a:p>
-          <a:p>
-            <a:pPr marL="285750" indent="-285750">
-              <a:lnSpc>
-                <a:spcPct val="107000"/>
-              </a:lnSpc>
-              <a:spcAft>
-                <a:spcPts val="800"/>
-              </a:spcAft>
-              <a:buFont typeface="Arial" panose="020B0604020202020204" pitchFamily="34" charset="0"/>
-              <a:buChar char="•"/>
-            </a:pPr>
-            <a:r>
-              <a:rPr lang="es-MX" dirty="0">
-                <a:latin typeface="Calibri" panose="020F0502020204030204" pitchFamily="34" charset="0"/>
-                <a:ea typeface="Calibri" panose="020F0502020204030204" pitchFamily="34" charset="0"/>
-                <a:cs typeface="Times New Roman" panose="02020603050405020304" pitchFamily="18" charset="0"/>
-              </a:rPr>
-              <a:t>Hicimos la ficha técnica de la encuesta</a:t>
-            </a:r>
-            <a:r>
-              <a:rPr lang="es-MX" dirty="0" smtClean="0">
-                <a:latin typeface="Calibri" panose="020F0502020204030204" pitchFamily="34" charset="0"/>
-                <a:ea typeface="Calibri" panose="020F0502020204030204" pitchFamily="34" charset="0"/>
-                <a:cs typeface="Times New Roman" panose="02020603050405020304" pitchFamily="18" charset="0"/>
-              </a:rPr>
-              <a:t>.</a:t>
-            </a:r>
-          </a:p>
-          <a:p>
-            <a:pPr marL="285750" indent="-285750">
-              <a:lnSpc>
-                <a:spcPct val="107000"/>
-              </a:lnSpc>
-              <a:spcAft>
-                <a:spcPts val="800"/>
-              </a:spcAft>
-              <a:buFont typeface="Arial" panose="020B0604020202020204" pitchFamily="34" charset="0"/>
-              <a:buChar char="•"/>
-            </a:pPr>
-            <a:r>
-              <a:rPr lang="es-MX" dirty="0" smtClean="0">
-                <a:latin typeface="Calibri" panose="020F0502020204030204" pitchFamily="34" charset="0"/>
-                <a:ea typeface="Calibri" panose="020F0502020204030204" pitchFamily="34" charset="0"/>
-                <a:cs typeface="Times New Roman" panose="02020603050405020304" pitchFamily="18" charset="0"/>
-              </a:rPr>
-              <a:t>Agregamos y organizamos los objetivos </a:t>
-            </a:r>
-            <a:r>
-              <a:rPr lang="es-MX" dirty="0">
-                <a:latin typeface="Calibri" panose="020F0502020204030204" pitchFamily="34" charset="0"/>
-                <a:ea typeface="Calibri" panose="020F0502020204030204" pitchFamily="34" charset="0"/>
-                <a:cs typeface="Times New Roman" panose="02020603050405020304" pitchFamily="18" charset="0"/>
-              </a:rPr>
-              <a:t>específicos</a:t>
-            </a:r>
-            <a:r>
-              <a:rPr lang="es-MX" dirty="0" smtClean="0">
-                <a:latin typeface="Calibri" panose="020F0502020204030204" pitchFamily="34" charset="0"/>
-                <a:ea typeface="Calibri" panose="020F0502020204030204" pitchFamily="34" charset="0"/>
-                <a:cs typeface="Times New Roman" panose="02020603050405020304" pitchFamily="18" charset="0"/>
-              </a:rPr>
-              <a:t>.</a:t>
-            </a:r>
-            <a:endParaRPr lang="es-CO" dirty="0">
-              <a:latin typeface="Calibri" panose="020F0502020204030204" pitchFamily="34" charset="0"/>
-              <a:ea typeface="Calibri" panose="020F0502020204030204" pitchFamily="34" charset="0"/>
-              <a:cs typeface="Times New Roman" panose="02020603050405020304" pitchFamily="18" charset="0"/>
-            </a:endParaRPr>
-          </a:p>
-          <a:p>
-            <a:pPr marL="285750" indent="-285750">
-              <a:lnSpc>
-                <a:spcPct val="107000"/>
-              </a:lnSpc>
-              <a:spcAft>
-                <a:spcPts val="800"/>
-              </a:spcAft>
-              <a:buFont typeface="Arial" panose="020B0604020202020204" pitchFamily="34" charset="0"/>
-              <a:buChar char="•"/>
-            </a:pPr>
-            <a:r>
-              <a:rPr lang="es-MX" dirty="0" smtClean="0">
-                <a:latin typeface="Calibri" panose="020F0502020204030204" pitchFamily="34" charset="0"/>
-                <a:ea typeface="Calibri" panose="020F0502020204030204" pitchFamily="34" charset="0"/>
-                <a:cs typeface="Times New Roman" panose="02020603050405020304" pitchFamily="18" charset="0"/>
-              </a:rPr>
-              <a:t>Modificamos </a:t>
-            </a:r>
-            <a:r>
-              <a:rPr lang="es-MX" dirty="0">
-                <a:latin typeface="Calibri" panose="020F0502020204030204" pitchFamily="34" charset="0"/>
-                <a:ea typeface="Calibri" panose="020F0502020204030204" pitchFamily="34" charset="0"/>
-                <a:cs typeface="Times New Roman" panose="02020603050405020304" pitchFamily="18" charset="0"/>
-              </a:rPr>
-              <a:t>el mapa </a:t>
-            </a:r>
-            <a:r>
-              <a:rPr lang="es-MX" dirty="0" smtClean="0">
-                <a:latin typeface="Calibri" panose="020F0502020204030204" pitchFamily="34" charset="0"/>
-                <a:ea typeface="Calibri" panose="020F0502020204030204" pitchFamily="34" charset="0"/>
-                <a:cs typeface="Times New Roman" panose="02020603050405020304" pitchFamily="18" charset="0"/>
-              </a:rPr>
-              <a:t>mental.</a:t>
-            </a:r>
-            <a:endParaRPr lang="es-CO" dirty="0">
-              <a:latin typeface="Calibri" panose="020F0502020204030204" pitchFamily="34" charset="0"/>
-              <a:ea typeface="Calibri" panose="020F0502020204030204" pitchFamily="34" charset="0"/>
-              <a:cs typeface="Times New Roman" panose="02020603050405020304" pitchFamily="18" charset="0"/>
-            </a:endParaRPr>
-          </a:p>
-          <a:p>
-            <a:pPr marL="285750" indent="-285750">
-              <a:lnSpc>
-                <a:spcPct val="107000"/>
-              </a:lnSpc>
-              <a:spcAft>
-                <a:spcPts val="800"/>
-              </a:spcAft>
-              <a:buFont typeface="Arial" panose="020B0604020202020204" pitchFamily="34" charset="0"/>
-              <a:buChar char="•"/>
-            </a:pPr>
-            <a:r>
-              <a:rPr lang="es-MX" dirty="0">
-                <a:latin typeface="Calibri" panose="020F0502020204030204" pitchFamily="34" charset="0"/>
-                <a:ea typeface="Calibri" panose="020F0502020204030204" pitchFamily="34" charset="0"/>
-                <a:cs typeface="Times New Roman" panose="02020603050405020304" pitchFamily="18" charset="0"/>
-              </a:rPr>
-              <a:t>Agregamos unas palabras al </a:t>
-            </a:r>
-            <a:r>
-              <a:rPr lang="es-MX" dirty="0" smtClean="0">
-                <a:latin typeface="Calibri" panose="020F0502020204030204" pitchFamily="34" charset="0"/>
-                <a:ea typeface="Calibri" panose="020F0502020204030204" pitchFamily="34" charset="0"/>
-                <a:cs typeface="Times New Roman" panose="02020603050405020304" pitchFamily="18" charset="0"/>
-              </a:rPr>
-              <a:t>glosario.</a:t>
-            </a:r>
-          </a:p>
-          <a:p>
-            <a:pPr marL="285750" indent="-285750">
-              <a:lnSpc>
-                <a:spcPct val="107000"/>
-              </a:lnSpc>
-              <a:spcAft>
-                <a:spcPts val="800"/>
-              </a:spcAft>
-              <a:buFont typeface="Arial" panose="020B0604020202020204" pitchFamily="34" charset="0"/>
-              <a:buChar char="•"/>
-            </a:pPr>
-            <a:r>
-              <a:rPr lang="es-MX" dirty="0">
-                <a:latin typeface="Calibri" panose="020F0502020204030204" pitchFamily="34" charset="0"/>
-                <a:ea typeface="Calibri" panose="020F0502020204030204" pitchFamily="34" charset="0"/>
-                <a:cs typeface="Times New Roman" panose="02020603050405020304" pitchFamily="18" charset="0"/>
-              </a:rPr>
-              <a:t>Agregamos los </a:t>
-            </a:r>
-            <a:r>
-              <a:rPr lang="es-MX" dirty="0" smtClean="0">
-                <a:latin typeface="Calibri" panose="020F0502020204030204" pitchFamily="34" charset="0"/>
-                <a:ea typeface="Calibri" panose="020F0502020204030204" pitchFamily="34" charset="0"/>
-                <a:cs typeface="Times New Roman" panose="02020603050405020304" pitchFamily="18" charset="0"/>
-              </a:rPr>
-              <a:t>requisitos funcionales y no funcionales.</a:t>
-            </a:r>
-          </a:p>
-          <a:p>
-            <a:pPr marL="285750" indent="-285750">
-              <a:lnSpc>
-                <a:spcPct val="107000"/>
-              </a:lnSpc>
-              <a:spcAft>
-                <a:spcPts val="800"/>
-              </a:spcAft>
-              <a:buFont typeface="Arial" panose="020B0604020202020204" pitchFamily="34" charset="0"/>
-              <a:buChar char="•"/>
-            </a:pPr>
-            <a:r>
-              <a:rPr lang="es-MX" dirty="0" smtClean="0">
-                <a:latin typeface="Calibri" panose="020F0502020204030204" pitchFamily="34" charset="0"/>
-                <a:ea typeface="Calibri" panose="020F0502020204030204" pitchFamily="34" charset="0"/>
-                <a:cs typeface="Times New Roman" panose="02020603050405020304" pitchFamily="18" charset="0"/>
-              </a:rPr>
-              <a:t>Hicimos el mapa conceptual de los </a:t>
-            </a:r>
-            <a:r>
-              <a:rPr lang="es-MX" dirty="0">
-                <a:latin typeface="Calibri" panose="020F0502020204030204" pitchFamily="34" charset="0"/>
-                <a:ea typeface="Calibri" panose="020F0502020204030204" pitchFamily="34" charset="0"/>
-                <a:cs typeface="Times New Roman" panose="02020603050405020304" pitchFamily="18" charset="0"/>
-              </a:rPr>
-              <a:t>requisitos funcionales y no funcionales</a:t>
-            </a:r>
-            <a:r>
-              <a:rPr lang="es-MX" dirty="0" smtClean="0">
-                <a:latin typeface="Calibri" panose="020F0502020204030204" pitchFamily="34" charset="0"/>
-                <a:ea typeface="Calibri" panose="020F0502020204030204" pitchFamily="34" charset="0"/>
-                <a:cs typeface="Times New Roman" panose="02020603050405020304" pitchFamily="18" charset="0"/>
-              </a:rPr>
-              <a:t>. </a:t>
-            </a:r>
-            <a:endParaRPr lang="es-CO" dirty="0" smtClean="0">
-              <a:latin typeface="Calibri" panose="020F0502020204030204" pitchFamily="34" charset="0"/>
-              <a:ea typeface="Calibri" panose="020F0502020204030204" pitchFamily="34" charset="0"/>
-              <a:cs typeface="Times New Roman" panose="02020603050405020304" pitchFamily="18" charset="0"/>
-            </a:endParaRPr>
-          </a:p>
-          <a:p>
-            <a:pPr marL="285750" indent="-285750">
-              <a:lnSpc>
-                <a:spcPct val="107000"/>
-              </a:lnSpc>
-              <a:spcAft>
-                <a:spcPts val="800"/>
-              </a:spcAft>
-              <a:buFont typeface="Arial" panose="020B0604020202020204" pitchFamily="34" charset="0"/>
-              <a:buChar char="•"/>
-            </a:pPr>
-            <a:r>
-              <a:rPr lang="es-MX" dirty="0" smtClean="0">
-                <a:latin typeface="Calibri" panose="020F0502020204030204" pitchFamily="34" charset="0"/>
-                <a:ea typeface="Calibri" panose="020F0502020204030204" pitchFamily="34" charset="0"/>
-                <a:cs typeface="Times New Roman" panose="02020603050405020304" pitchFamily="18" charset="0"/>
-              </a:rPr>
-              <a:t>Modificamos </a:t>
-            </a:r>
-            <a:r>
-              <a:rPr lang="es-MX" dirty="0">
-                <a:latin typeface="Calibri" panose="020F0502020204030204" pitchFamily="34" charset="0"/>
-                <a:ea typeface="Calibri" panose="020F0502020204030204" pitchFamily="34" charset="0"/>
-                <a:cs typeface="Times New Roman" panose="02020603050405020304" pitchFamily="18" charset="0"/>
-              </a:rPr>
-              <a:t>el mapa de </a:t>
-            </a:r>
-            <a:r>
-              <a:rPr lang="es-MX" dirty="0" smtClean="0">
-                <a:latin typeface="Calibri" panose="020F0502020204030204" pitchFamily="34" charset="0"/>
-                <a:ea typeface="Calibri" panose="020F0502020204030204" pitchFamily="34" charset="0"/>
-                <a:cs typeface="Times New Roman" panose="02020603050405020304" pitchFamily="18" charset="0"/>
-              </a:rPr>
-              <a:t>procesos.</a:t>
-            </a:r>
-          </a:p>
-          <a:p>
-            <a:pPr marL="285750" indent="-285750">
-              <a:lnSpc>
-                <a:spcPct val="107000"/>
-              </a:lnSpc>
-              <a:spcAft>
-                <a:spcPts val="800"/>
-              </a:spcAft>
-              <a:buFont typeface="Arial" panose="020B0604020202020204" pitchFamily="34" charset="0"/>
-              <a:buChar char="•"/>
-            </a:pPr>
-            <a:r>
-              <a:rPr lang="es-MX" dirty="0" smtClean="0">
-                <a:latin typeface="Calibri" panose="020F0502020204030204" pitchFamily="34" charset="0"/>
-                <a:ea typeface="Calibri" panose="020F0502020204030204" pitchFamily="34" charset="0"/>
-                <a:cs typeface="Times New Roman" panose="02020603050405020304" pitchFamily="18" charset="0"/>
-              </a:rPr>
-              <a:t>Creamos un repositorio en </a:t>
-            </a:r>
-            <a:r>
-              <a:rPr lang="es-CO" dirty="0" smtClean="0"/>
-              <a:t>GitHub, y subimos los archivos.</a:t>
-            </a:r>
-            <a:endParaRPr lang="es-CO" dirty="0">
-              <a:latin typeface="Calibri" panose="020F0502020204030204" pitchFamily="34" charset="0"/>
-              <a:ea typeface="Calibri" panose="020F0502020204030204" pitchFamily="34" charset="0"/>
-              <a:cs typeface="Times New Roman" panose="02020603050405020304" pitchFamily="18" charset="0"/>
-            </a:endParaRPr>
-          </a:p>
-        </p:txBody>
-      </p:sp>
-    </p:spTree>
-    <p:extLst>
-      <p:ext uri="{BB962C8B-B14F-4D97-AF65-F5344CB8AC3E}">
-        <p14:creationId xmlns:p14="http://schemas.microsoft.com/office/powerpoint/2010/main" val="2711448748"/>
-      </p:ext>
-    </p:extLst>
-  </p:cSld>
-  <p:clrMapOvr>
-    <a:masterClrMapping/>
-  </p:clrMapOvr>
+  <p:timing>
+    <p:tnLst>
+      <p:par>
+        <p:cTn id="1" dur="indefinite" restart="never" nodeType="tmRoot"/>
+      </p:par>
+    </p:tnLst>
+  </p:timing>
 </p:sld>
 </file>
 
@@ -3304,74 +3006,407 @@
       </p:grpSpPr>
       <p:sp>
         <p:nvSpPr>
-          <p:cNvPr id="2" name="Rectángulo 1"/>
-          <p:cNvSpPr/>
+          <p:cNvPr id="2" name="CuadroTexto 1"/>
+          <p:cNvSpPr txBox="1"/>
           <p:nvPr/>
         </p:nvSpPr>
         <p:spPr>
           <a:xfrm>
-            <a:off x="1908835" y="786884"/>
-            <a:ext cx="3975512" cy="369332"/>
+            <a:off x="382867" y="249495"/>
+            <a:ext cx="4106005" cy="646331"/>
           </a:xfrm>
           <a:prstGeom prst="rect">
             <a:avLst/>
           </a:prstGeom>
-        </p:spPr>
-        <p:txBody>
-          <a:bodyPr wrap="none">
+          <a:noFill/>
+        </p:spPr>
+        <p:txBody>
+          <a:bodyPr wrap="square" rtlCol="0">
             <a:spAutoFit/>
           </a:bodyPr>
           <a:lstStyle/>
           <a:p>
             <a:r>
-              <a:rPr lang="es-CO" dirty="0">
-                <a:hlinkClick r:id="rId2"/>
+              <a:rPr lang="es-ES" sz="3600" b="1" dirty="0" smtClean="0">
+                <a:solidFill>
+                  <a:schemeClr val="bg1"/>
+                </a:solidFill>
               </a:rPr>
-              <a:t>https://github.com/Dalvarez491/IdHand</a:t>
-            </a:r>
-            <a:endParaRPr lang="es-CO" dirty="0"/>
-          </a:p>
-        </p:txBody>
-      </p:sp>
-      <p:pic>
-        <p:nvPicPr>
-          <p:cNvPr id="4" name="Imagen 3"/>
-          <p:cNvPicPr>
-            <a:picLocks noChangeAspect="1"/>
-          </p:cNvPicPr>
+              <a:t>Avances</a:t>
+            </a:r>
+            <a:endParaRPr lang="es-ES" sz="3600" b="1" dirty="0">
+              <a:solidFill>
+                <a:schemeClr val="bg1"/>
+              </a:solidFill>
+            </a:endParaRPr>
+          </a:p>
+        </p:txBody>
+      </p:sp>
+      <p:sp>
+        <p:nvSpPr>
+          <p:cNvPr id="3" name="Rectángulo 2"/>
+          <p:cNvSpPr/>
           <p:nvPr/>
-        </p:nvPicPr>
-        <p:blipFill rotWithShape="1">
-          <a:blip r:embed="rId3">
-            <a:extLst>
-              <a:ext uri="{28A0092B-C50C-407E-A947-70E740481C1C}">
-                <a14:useLocalDpi xmlns:a14="http://schemas.microsoft.com/office/drawing/2010/main" val="0"/>
-              </a:ext>
-            </a:extLst>
-          </a:blip>
-          <a:srcRect l="8181" t="4826" r="11250" b="22209"/>
-          <a:stretch/>
-        </p:blipFill>
-        <p:spPr>
-          <a:xfrm>
-            <a:off x="1981572" y="1156216"/>
-            <a:ext cx="6203375" cy="3158559"/>
+        </p:nvSpPr>
+        <p:spPr>
+          <a:xfrm>
+            <a:off x="289349" y="1164206"/>
+            <a:ext cx="8033769" cy="3979294"/>
           </a:xfrm>
           <a:prstGeom prst="rect">
             <a:avLst/>
           </a:prstGeom>
         </p:spPr>
-      </p:pic>
+        <p:txBody>
+          <a:bodyPr wrap="square">
+            <a:spAutoFit/>
+          </a:bodyPr>
+          <a:lstStyle/>
+          <a:p>
+            <a:pPr>
+              <a:lnSpc>
+                <a:spcPct val="107000"/>
+              </a:lnSpc>
+              <a:spcAft>
+                <a:spcPts val="800"/>
+              </a:spcAft>
+            </a:pPr>
+            <a:r>
+              <a:rPr lang="es-MX" dirty="0">
+                <a:latin typeface="Calibri" panose="020F0502020204030204" pitchFamily="34" charset="0"/>
+                <a:ea typeface="Calibri" panose="020F0502020204030204" pitchFamily="34" charset="0"/>
+                <a:cs typeface="Times New Roman" panose="02020603050405020304" pitchFamily="18" charset="0"/>
+              </a:rPr>
+              <a:t>Los cambios y avances que ha tenido nuestro proyecto son las siguientes</a:t>
+            </a:r>
+            <a:r>
+              <a:rPr lang="es-MX" dirty="0" smtClean="0">
+                <a:latin typeface="Calibri" panose="020F0502020204030204" pitchFamily="34" charset="0"/>
+                <a:ea typeface="Calibri" panose="020F0502020204030204" pitchFamily="34" charset="0"/>
+                <a:cs typeface="Times New Roman" panose="02020603050405020304" pitchFamily="18" charset="0"/>
+              </a:rPr>
+              <a:t>:</a:t>
+            </a:r>
+          </a:p>
+          <a:p>
+            <a:pPr marL="285750" indent="-285750">
+              <a:lnSpc>
+                <a:spcPct val="107000"/>
+              </a:lnSpc>
+              <a:spcAft>
+                <a:spcPts val="800"/>
+              </a:spcAft>
+              <a:buFont typeface="Arial" panose="020B0604020202020204" pitchFamily="34" charset="0"/>
+              <a:buChar char="•"/>
+            </a:pPr>
+            <a:r>
+              <a:rPr lang="es-MX" dirty="0">
+                <a:latin typeface="Calibri" panose="020F0502020204030204" pitchFamily="34" charset="0"/>
+                <a:ea typeface="Calibri" panose="020F0502020204030204" pitchFamily="34" charset="0"/>
+                <a:cs typeface="Times New Roman" panose="02020603050405020304" pitchFamily="18" charset="0"/>
+              </a:rPr>
+              <a:t>Realizamos la encuesta</a:t>
+            </a:r>
+            <a:r>
+              <a:rPr lang="es-MX" dirty="0" smtClean="0">
+                <a:latin typeface="Calibri" panose="020F0502020204030204" pitchFamily="34" charset="0"/>
+                <a:ea typeface="Calibri" panose="020F0502020204030204" pitchFamily="34" charset="0"/>
+                <a:cs typeface="Times New Roman" panose="02020603050405020304" pitchFamily="18" charset="0"/>
+              </a:rPr>
+              <a:t>.</a:t>
+            </a:r>
+          </a:p>
+          <a:p>
+            <a:pPr marL="285750" indent="-285750">
+              <a:lnSpc>
+                <a:spcPct val="107000"/>
+              </a:lnSpc>
+              <a:spcAft>
+                <a:spcPts val="800"/>
+              </a:spcAft>
+              <a:buFont typeface="Arial" panose="020B0604020202020204" pitchFamily="34" charset="0"/>
+              <a:buChar char="•"/>
+            </a:pPr>
+            <a:r>
+              <a:rPr lang="es-MX" dirty="0">
+                <a:latin typeface="Calibri" panose="020F0502020204030204" pitchFamily="34" charset="0"/>
+                <a:ea typeface="Calibri" panose="020F0502020204030204" pitchFamily="34" charset="0"/>
+                <a:cs typeface="Times New Roman" panose="02020603050405020304" pitchFamily="18" charset="0"/>
+              </a:rPr>
+              <a:t>Hicimos la ficha técnica de la encuesta</a:t>
+            </a:r>
+            <a:r>
+              <a:rPr lang="es-MX" dirty="0" smtClean="0">
+                <a:latin typeface="Calibri" panose="020F0502020204030204" pitchFamily="34" charset="0"/>
+                <a:ea typeface="Calibri" panose="020F0502020204030204" pitchFamily="34" charset="0"/>
+                <a:cs typeface="Times New Roman" panose="02020603050405020304" pitchFamily="18" charset="0"/>
+              </a:rPr>
+              <a:t>.</a:t>
+            </a:r>
+          </a:p>
+          <a:p>
+            <a:pPr marL="285750" indent="-285750">
+              <a:lnSpc>
+                <a:spcPct val="107000"/>
+              </a:lnSpc>
+              <a:spcAft>
+                <a:spcPts val="800"/>
+              </a:spcAft>
+              <a:buFont typeface="Arial" panose="020B0604020202020204" pitchFamily="34" charset="0"/>
+              <a:buChar char="•"/>
+            </a:pPr>
+            <a:r>
+              <a:rPr lang="es-MX" dirty="0" smtClean="0">
+                <a:latin typeface="Calibri" panose="020F0502020204030204" pitchFamily="34" charset="0"/>
+                <a:ea typeface="Calibri" panose="020F0502020204030204" pitchFamily="34" charset="0"/>
+                <a:cs typeface="Times New Roman" panose="02020603050405020304" pitchFamily="18" charset="0"/>
+              </a:rPr>
+              <a:t>Agregamos y organizamos los objetivos </a:t>
+            </a:r>
+            <a:r>
+              <a:rPr lang="es-MX" dirty="0">
+                <a:latin typeface="Calibri" panose="020F0502020204030204" pitchFamily="34" charset="0"/>
+                <a:ea typeface="Calibri" panose="020F0502020204030204" pitchFamily="34" charset="0"/>
+                <a:cs typeface="Times New Roman" panose="02020603050405020304" pitchFamily="18" charset="0"/>
+              </a:rPr>
+              <a:t>específicos</a:t>
+            </a:r>
+            <a:r>
+              <a:rPr lang="es-MX" dirty="0" smtClean="0">
+                <a:latin typeface="Calibri" panose="020F0502020204030204" pitchFamily="34" charset="0"/>
+                <a:ea typeface="Calibri" panose="020F0502020204030204" pitchFamily="34" charset="0"/>
+                <a:cs typeface="Times New Roman" panose="02020603050405020304" pitchFamily="18" charset="0"/>
+              </a:rPr>
+              <a:t>.</a:t>
+            </a:r>
+            <a:endParaRPr lang="es-CO" dirty="0">
+              <a:latin typeface="Calibri" panose="020F0502020204030204" pitchFamily="34" charset="0"/>
+              <a:ea typeface="Calibri" panose="020F0502020204030204" pitchFamily="34" charset="0"/>
+              <a:cs typeface="Times New Roman" panose="02020603050405020304" pitchFamily="18" charset="0"/>
+            </a:endParaRPr>
+          </a:p>
+          <a:p>
+            <a:pPr marL="285750" indent="-285750">
+              <a:lnSpc>
+                <a:spcPct val="107000"/>
+              </a:lnSpc>
+              <a:spcAft>
+                <a:spcPts val="800"/>
+              </a:spcAft>
+              <a:buFont typeface="Arial" panose="020B0604020202020204" pitchFamily="34" charset="0"/>
+              <a:buChar char="•"/>
+            </a:pPr>
+            <a:r>
+              <a:rPr lang="es-MX" dirty="0" smtClean="0">
+                <a:latin typeface="Calibri" panose="020F0502020204030204" pitchFamily="34" charset="0"/>
+                <a:ea typeface="Calibri" panose="020F0502020204030204" pitchFamily="34" charset="0"/>
+                <a:cs typeface="Times New Roman" panose="02020603050405020304" pitchFamily="18" charset="0"/>
+              </a:rPr>
+              <a:t>Modificamos </a:t>
+            </a:r>
+            <a:r>
+              <a:rPr lang="es-MX" dirty="0">
+                <a:latin typeface="Calibri" panose="020F0502020204030204" pitchFamily="34" charset="0"/>
+                <a:ea typeface="Calibri" panose="020F0502020204030204" pitchFamily="34" charset="0"/>
+                <a:cs typeface="Times New Roman" panose="02020603050405020304" pitchFamily="18" charset="0"/>
+              </a:rPr>
+              <a:t>el mapa </a:t>
+            </a:r>
+            <a:r>
+              <a:rPr lang="es-MX" dirty="0" smtClean="0">
+                <a:latin typeface="Calibri" panose="020F0502020204030204" pitchFamily="34" charset="0"/>
+                <a:ea typeface="Calibri" panose="020F0502020204030204" pitchFamily="34" charset="0"/>
+                <a:cs typeface="Times New Roman" panose="02020603050405020304" pitchFamily="18" charset="0"/>
+              </a:rPr>
+              <a:t>mental.</a:t>
+            </a:r>
+            <a:endParaRPr lang="es-CO" dirty="0">
+              <a:latin typeface="Calibri" panose="020F0502020204030204" pitchFamily="34" charset="0"/>
+              <a:ea typeface="Calibri" panose="020F0502020204030204" pitchFamily="34" charset="0"/>
+              <a:cs typeface="Times New Roman" panose="02020603050405020304" pitchFamily="18" charset="0"/>
+            </a:endParaRPr>
+          </a:p>
+          <a:p>
+            <a:pPr marL="285750" indent="-285750">
+              <a:lnSpc>
+                <a:spcPct val="107000"/>
+              </a:lnSpc>
+              <a:spcAft>
+                <a:spcPts val="800"/>
+              </a:spcAft>
+              <a:buFont typeface="Arial" panose="020B0604020202020204" pitchFamily="34" charset="0"/>
+              <a:buChar char="•"/>
+            </a:pPr>
+            <a:r>
+              <a:rPr lang="es-MX" dirty="0">
+                <a:latin typeface="Calibri" panose="020F0502020204030204" pitchFamily="34" charset="0"/>
+                <a:ea typeface="Calibri" panose="020F0502020204030204" pitchFamily="34" charset="0"/>
+                <a:cs typeface="Times New Roman" panose="02020603050405020304" pitchFamily="18" charset="0"/>
+              </a:rPr>
+              <a:t>Agregamos unas palabras al </a:t>
+            </a:r>
+            <a:r>
+              <a:rPr lang="es-MX" dirty="0" smtClean="0">
+                <a:latin typeface="Calibri" panose="020F0502020204030204" pitchFamily="34" charset="0"/>
+                <a:ea typeface="Calibri" panose="020F0502020204030204" pitchFamily="34" charset="0"/>
+                <a:cs typeface="Times New Roman" panose="02020603050405020304" pitchFamily="18" charset="0"/>
+              </a:rPr>
+              <a:t>glosario.</a:t>
+            </a:r>
+          </a:p>
+          <a:p>
+            <a:pPr marL="285750" indent="-285750">
+              <a:lnSpc>
+                <a:spcPct val="107000"/>
+              </a:lnSpc>
+              <a:spcAft>
+                <a:spcPts val="800"/>
+              </a:spcAft>
+              <a:buFont typeface="Arial" panose="020B0604020202020204" pitchFamily="34" charset="0"/>
+              <a:buChar char="•"/>
+            </a:pPr>
+            <a:r>
+              <a:rPr lang="es-MX" dirty="0">
+                <a:latin typeface="Calibri" panose="020F0502020204030204" pitchFamily="34" charset="0"/>
+                <a:ea typeface="Calibri" panose="020F0502020204030204" pitchFamily="34" charset="0"/>
+                <a:cs typeface="Times New Roman" panose="02020603050405020304" pitchFamily="18" charset="0"/>
+              </a:rPr>
+              <a:t>Agregamos los </a:t>
+            </a:r>
+            <a:r>
+              <a:rPr lang="es-MX" dirty="0" smtClean="0">
+                <a:latin typeface="Calibri" panose="020F0502020204030204" pitchFamily="34" charset="0"/>
+                <a:ea typeface="Calibri" panose="020F0502020204030204" pitchFamily="34" charset="0"/>
+                <a:cs typeface="Times New Roman" panose="02020603050405020304" pitchFamily="18" charset="0"/>
+              </a:rPr>
+              <a:t>requisitos funcionales y no funcionales.</a:t>
+            </a:r>
+          </a:p>
+          <a:p>
+            <a:pPr marL="285750" indent="-285750">
+              <a:lnSpc>
+                <a:spcPct val="107000"/>
+              </a:lnSpc>
+              <a:spcAft>
+                <a:spcPts val="800"/>
+              </a:spcAft>
+              <a:buFont typeface="Arial" panose="020B0604020202020204" pitchFamily="34" charset="0"/>
+              <a:buChar char="•"/>
+            </a:pPr>
+            <a:r>
+              <a:rPr lang="es-MX" dirty="0" smtClean="0">
+                <a:latin typeface="Calibri" panose="020F0502020204030204" pitchFamily="34" charset="0"/>
+                <a:ea typeface="Calibri" panose="020F0502020204030204" pitchFamily="34" charset="0"/>
+                <a:cs typeface="Times New Roman" panose="02020603050405020304" pitchFamily="18" charset="0"/>
+              </a:rPr>
+              <a:t>Hicimos el mapa conceptual de los </a:t>
+            </a:r>
+            <a:r>
+              <a:rPr lang="es-MX" dirty="0">
+                <a:latin typeface="Calibri" panose="020F0502020204030204" pitchFamily="34" charset="0"/>
+                <a:ea typeface="Calibri" panose="020F0502020204030204" pitchFamily="34" charset="0"/>
+                <a:cs typeface="Times New Roman" panose="02020603050405020304" pitchFamily="18" charset="0"/>
+              </a:rPr>
+              <a:t>requisitos funcionales y no funcionales</a:t>
+            </a:r>
+            <a:r>
+              <a:rPr lang="es-MX" dirty="0" smtClean="0">
+                <a:latin typeface="Calibri" panose="020F0502020204030204" pitchFamily="34" charset="0"/>
+                <a:ea typeface="Calibri" panose="020F0502020204030204" pitchFamily="34" charset="0"/>
+                <a:cs typeface="Times New Roman" panose="02020603050405020304" pitchFamily="18" charset="0"/>
+              </a:rPr>
+              <a:t>. </a:t>
+            </a:r>
+            <a:endParaRPr lang="es-CO" dirty="0" smtClean="0">
+              <a:latin typeface="Calibri" panose="020F0502020204030204" pitchFamily="34" charset="0"/>
+              <a:ea typeface="Calibri" panose="020F0502020204030204" pitchFamily="34" charset="0"/>
+              <a:cs typeface="Times New Roman" panose="02020603050405020304" pitchFamily="18" charset="0"/>
+            </a:endParaRPr>
+          </a:p>
+          <a:p>
+            <a:pPr marL="285750" indent="-285750">
+              <a:lnSpc>
+                <a:spcPct val="107000"/>
+              </a:lnSpc>
+              <a:spcAft>
+                <a:spcPts val="800"/>
+              </a:spcAft>
+              <a:buFont typeface="Arial" panose="020B0604020202020204" pitchFamily="34" charset="0"/>
+              <a:buChar char="•"/>
+            </a:pPr>
+            <a:r>
+              <a:rPr lang="es-MX" dirty="0" smtClean="0">
+                <a:latin typeface="Calibri" panose="020F0502020204030204" pitchFamily="34" charset="0"/>
+                <a:ea typeface="Calibri" panose="020F0502020204030204" pitchFamily="34" charset="0"/>
+                <a:cs typeface="Times New Roman" panose="02020603050405020304" pitchFamily="18" charset="0"/>
+              </a:rPr>
+              <a:t>Modificamos </a:t>
+            </a:r>
+            <a:r>
+              <a:rPr lang="es-MX" dirty="0">
+                <a:latin typeface="Calibri" panose="020F0502020204030204" pitchFamily="34" charset="0"/>
+                <a:ea typeface="Calibri" panose="020F0502020204030204" pitchFamily="34" charset="0"/>
+                <a:cs typeface="Times New Roman" panose="02020603050405020304" pitchFamily="18" charset="0"/>
+              </a:rPr>
+              <a:t>el mapa de </a:t>
+            </a:r>
+            <a:r>
+              <a:rPr lang="es-MX" dirty="0" smtClean="0">
+                <a:latin typeface="Calibri" panose="020F0502020204030204" pitchFamily="34" charset="0"/>
+                <a:ea typeface="Calibri" panose="020F0502020204030204" pitchFamily="34" charset="0"/>
+                <a:cs typeface="Times New Roman" panose="02020603050405020304" pitchFamily="18" charset="0"/>
+              </a:rPr>
+              <a:t>procesos.</a:t>
+            </a:r>
+          </a:p>
+          <a:p>
+            <a:pPr marL="285750" indent="-285750">
+              <a:lnSpc>
+                <a:spcPct val="107000"/>
+              </a:lnSpc>
+              <a:spcAft>
+                <a:spcPts val="800"/>
+              </a:spcAft>
+              <a:buFont typeface="Arial" panose="020B0604020202020204" pitchFamily="34" charset="0"/>
+              <a:buChar char="•"/>
+            </a:pPr>
+            <a:r>
+              <a:rPr lang="es-MX" dirty="0" smtClean="0">
+                <a:latin typeface="Calibri" panose="020F0502020204030204" pitchFamily="34" charset="0"/>
+                <a:ea typeface="Calibri" panose="020F0502020204030204" pitchFamily="34" charset="0"/>
+                <a:cs typeface="Times New Roman" panose="02020603050405020304" pitchFamily="18" charset="0"/>
+              </a:rPr>
+              <a:t>Creamos un repositorio en </a:t>
+            </a:r>
+            <a:r>
+              <a:rPr lang="es-CO" dirty="0" smtClean="0"/>
+              <a:t>GitHub, y subimos los archivos.</a:t>
+            </a:r>
+            <a:endParaRPr lang="es-CO" dirty="0">
+              <a:latin typeface="Calibri" panose="020F0502020204030204" pitchFamily="34" charset="0"/>
+              <a:ea typeface="Calibri" panose="020F0502020204030204" pitchFamily="34" charset="0"/>
+              <a:cs typeface="Times New Roman" panose="02020603050405020304" pitchFamily="18" charset="0"/>
+            </a:endParaRPr>
+          </a:p>
+        </p:txBody>
+      </p:sp>
     </p:spTree>
     <p:extLst>
       <p:ext uri="{BB962C8B-B14F-4D97-AF65-F5344CB8AC3E}">
-        <p14:creationId xmlns:p14="http://schemas.microsoft.com/office/powerpoint/2010/main" val="2335984454"/>
+        <p14:creationId xmlns:p14="http://schemas.microsoft.com/office/powerpoint/2010/main" val="2711448748"/>
       </p:ext>
     </p:extLst>
   </p:cSld>
   <p:clrMapOvr>
     <a:masterClrMapping/>
   </p:clrMapOvr>
+  <p:timing>
+    <p:tnLst>
+      <p:par>
+        <p:cTn id="1" dur="indefinite" restart="never" nodeType="tmRoot"/>
+      </p:par>
+    </p:tnLst>
+  </p:timing>
 </p:sld>
 </file>
 
@@ -3478,10 +3513,114 @@
   <p:clrMapOvr>
     <a:masterClrMapping/>
   </p:clrMapOvr>
+  <p:timing>
+    <p:tnLst>
+      <p:par>
+        <p:cTn id="1" dur="indefinite" restart="never" nodeType="tmRoot"/>
+      </p:par>
+    </p:tnLst>
+  </p:timing>
 </p:sld>
 </file>
 
 <file path=ppt/slides/slide20.xml><?xml version="1.0" encoding="utf-8"?>
+<p:sld xmlns:a="http://schemas.openxmlformats.org/drawingml/2006/main" xmlns:r="http://schemas.openxmlformats.org/officeDocument/2006/relationships" xmlns:p="http://schemas.openxmlformats.org/presentationml/2006/main">
+  <p:cSld>
+    <p:spTree>
+      <p:nvGrpSpPr>
+        <p:cNvPr id="1" name=""/>
+        <p:cNvGrpSpPr/>
+        <p:nvPr/>
+      </p:nvGrpSpPr>
+      <p:grpSpPr>
+        <a:xfrm>
+          <a:off x="0" y="0"/>
+          <a:ext cx="0" cy="0"/>
+          <a:chOff x="0" y="0"/>
+          <a:chExt cx="0" cy="0"/>
+        </a:xfrm>
+      </p:grpSpPr>
+      <p:sp>
+        <p:nvSpPr>
+          <p:cNvPr id="2" name="Rectángulo 1"/>
+          <p:cNvSpPr/>
+          <p:nvPr/>
+        </p:nvSpPr>
+        <p:spPr>
+          <a:xfrm>
+            <a:off x="1908835" y="786884"/>
+            <a:ext cx="3975512" cy="369332"/>
+          </a:xfrm>
+          <a:prstGeom prst="rect">
+            <a:avLst/>
+          </a:prstGeom>
+        </p:spPr>
+        <p:txBody>
+          <a:bodyPr wrap="none">
+            <a:spAutoFit/>
+          </a:bodyPr>
+          <a:lstStyle/>
+          <a:p>
+            <a:r>
+              <a:rPr lang="es-CO" dirty="0">
+                <a:hlinkClick r:id="rId2"/>
+              </a:rPr>
+              <a:t>https://github.com/Dalvarez491/IdHand</a:t>
+            </a:r>
+            <a:endParaRPr lang="es-CO" dirty="0"/>
+          </a:p>
+        </p:txBody>
+      </p:sp>
+      <p:pic>
+        <p:nvPicPr>
+          <p:cNvPr id="4" name="Imagen 3"/>
+          <p:cNvPicPr>
+            <a:picLocks noChangeAspect="1"/>
+          </p:cNvPicPr>
+          <p:nvPr/>
+        </p:nvPicPr>
+        <p:blipFill rotWithShape="1">
+          <a:blip r:embed="rId3">
+            <a:extLst>
+              <a:ext uri="{28A0092B-C50C-407E-A947-70E740481C1C}">
+                <a14:useLocalDpi xmlns:a14="http://schemas.microsoft.com/office/drawing/2010/main" val="0"/>
+              </a:ext>
+            </a:extLst>
+          </a:blip>
+          <a:srcRect l="8181" t="4826" r="11250" b="22209"/>
+          <a:stretch/>
+        </p:blipFill>
+        <p:spPr>
+          <a:xfrm>
+            <a:off x="1981572" y="1156216"/>
+            <a:ext cx="6203375" cy="3158559"/>
+          </a:xfrm>
+          <a:prstGeom prst="rect">
+            <a:avLst/>
+          </a:prstGeom>
+        </p:spPr>
+      </p:pic>
+    </p:spTree>
+    <p:extLst>
+      <p:ext uri="{BB962C8B-B14F-4D97-AF65-F5344CB8AC3E}">
+        <p14:creationId xmlns:p14="http://schemas.microsoft.com/office/powerpoint/2010/main" val="2335984454"/>
+      </p:ext>
+    </p:extLst>
+  </p:cSld>
+  <p:clrMapOvr>
+    <a:masterClrMapping/>
+  </p:clrMapOvr>
+  <p:timing>
+    <p:tnLst>
+      <p:par>
+        <p:cTn id="1" dur="indefinite" restart="never" nodeType="tmRoot"/>
+      </p:par>
+    </p:tnLst>
+  </p:timing>
+</p:sld>
+</file>
+
+<file path=ppt/slides/slide21.xml><?xml version="1.0" encoding="utf-8"?>
 <p:sld xmlns:a="http://schemas.openxmlformats.org/drawingml/2006/main" xmlns:r="http://schemas.openxmlformats.org/officeDocument/2006/relationships" xmlns:p="http://schemas.openxmlformats.org/presentationml/2006/main">
   <p:cSld>
     <p:spTree>
@@ -3508,6 +3647,13 @@
   <p:clrMapOvr>
     <a:masterClrMapping/>
   </p:clrMapOvr>
+  <p:timing>
+    <p:tnLst>
+      <p:par>
+        <p:cTn id="1" dur="indefinite" restart="never" nodeType="tmRoot"/>
+      </p:par>
+    </p:tnLst>
+  </p:timing>
 </p:sld>
 </file>
 
@@ -3610,6 +3756,13 @@
   <p:clrMapOvr>
     <a:masterClrMapping/>
   </p:clrMapOvr>
+  <p:timing>
+    <p:tnLst>
+      <p:par>
+        <p:cTn id="1" dur="indefinite" restart="never" nodeType="tmRoot"/>
+      </p:par>
+    </p:tnLst>
+  </p:timing>
 </p:sld>
 </file>
 
@@ -3712,6 +3865,13 @@
   <p:clrMapOvr>
     <a:masterClrMapping/>
   </p:clrMapOvr>
+  <p:timing>
+    <p:tnLst>
+      <p:par>
+        <p:cTn id="1" dur="indefinite" restart="never" nodeType="tmRoot"/>
+      </p:par>
+    </p:tnLst>
+  </p:timing>
 </p:sld>
 </file>
 
@@ -3772,6 +3932,13 @@
   <p:clrMapOvr>
     <a:masterClrMapping/>
   </p:clrMapOvr>
+  <p:timing>
+    <p:tnLst>
+      <p:par>
+        <p:cTn id="1" dur="indefinite" restart="never" nodeType="tmRoot"/>
+      </p:par>
+    </p:tnLst>
+  </p:timing>
 </p:sld>
 </file>
 
@@ -3870,6 +4037,13 @@
   <p:clrMapOvr>
     <a:masterClrMapping/>
   </p:clrMapOvr>
+  <p:timing>
+    <p:tnLst>
+      <p:par>
+        <p:cTn id="1" dur="indefinite" restart="never" nodeType="tmRoot"/>
+      </p:par>
+    </p:tnLst>
+  </p:timing>
 </p:sld>
 </file>
 
@@ -3970,6 +4144,13 @@
   <p:clrMapOvr>
     <a:masterClrMapping/>
   </p:clrMapOvr>
+  <p:timing>
+    <p:tnLst>
+      <p:par>
+        <p:cTn id="1" dur="indefinite" restart="never" nodeType="tmRoot"/>
+      </p:par>
+    </p:tnLst>
+  </p:timing>
 </p:sld>
 </file>
 
@@ -4032,6 +4213,13 @@
   <p:clrMapOvr>
     <a:masterClrMapping/>
   </p:clrMapOvr>
+  <p:timing>
+    <p:tnLst>
+      <p:par>
+        <p:cTn id="1" dur="indefinite" restart="never" nodeType="tmRoot"/>
+      </p:par>
+    </p:tnLst>
+  </p:timing>
 </p:sld>
 </file>
 
@@ -4129,6 +4317,13 @@
   <p:clrMapOvr>
     <a:masterClrMapping/>
   </p:clrMapOvr>
+  <p:timing>
+    <p:tnLst>
+      <p:par>
+        <p:cTn id="1" dur="indefinite" restart="never" nodeType="tmRoot"/>
+      </p:par>
+    </p:tnLst>
+  </p:timing>
 </p:sld>
 </file>
 

--- a/Pulsera para identificación de personas en estado de inconciencia ultima verción.pptx
+++ b/Pulsera para identificación de personas en estado de inconciencia ultima verción.pptx
@@ -2616,13 +2616,23 @@
             <a:pPr algn="just"/>
             <a:r>
               <a:rPr lang="es-CO" sz="3200" b="1" dirty="0" smtClean="0"/>
-              <a:t>Impacto social: </a:t>
+              <a:t>S</a:t>
+            </a:r>
+            <a:r>
+              <a:rPr lang="es-CO" sz="3200" b="1" dirty="0" smtClean="0"/>
+              <a:t>ocial: </a:t>
+            </a:r>
+            <a:r>
+              <a:rPr lang="es-CO" sz="3200" dirty="0" smtClean="0">
+                <a:ea typeface="Calibri" panose="020F0502020204030204" pitchFamily="34" charset="0"/>
+              </a:rPr>
+              <a:t>Ayuda </a:t>
             </a:r>
             <a:r>
               <a:rPr lang="es-CO" sz="3200" dirty="0">
                 <a:ea typeface="Calibri" panose="020F0502020204030204" pitchFamily="34" charset="0"/>
               </a:rPr>
-              <a:t>Ayuda a que los organismos de seguridad le brinden una mejor atención básica en salud a las personas, en caso de que </a:t>
+              <a:t>a que los organismos de seguridad le brinden una mejor atención básica en salud a las personas, en caso de que </a:t>
             </a:r>
             <a:r>
               <a:rPr lang="es-ES" sz="3200" dirty="0">
@@ -2695,12 +2705,20 @@
           <a:p>
             <a:pPr algn="just"/>
             <a:r>
+              <a:rPr lang="es-CO" sz="3200" b="1" dirty="0"/>
+              <a:t>A</a:t>
+            </a:r>
+            <a:r>
               <a:rPr lang="es-CO" sz="3200" b="1" dirty="0" smtClean="0"/>
-              <a:t>Impacto ambiental:</a:t>
+              <a:t>mbiental: </a:t>
+            </a:r>
+            <a:r>
+              <a:rPr lang="es-MX" sz="3200" dirty="0" smtClean="0"/>
+              <a:t>Los </a:t>
             </a:r>
             <a:r>
               <a:rPr lang="es-MX" sz="3200" dirty="0"/>
-              <a:t>Los materiales para el desarrollo de la manilla pueden ser no reciclables, pero al funcionar a largo plazo no genera un gran impacto ambiental.</a:t>
+              <a:t>materiales para el desarrollo de la manilla pueden ser no reciclables, pero al funcionar a largo plazo no genera un gran impacto ambiental.</a:t>
             </a:r>
           </a:p>
           <a:p>
@@ -2771,15 +2789,19 @@
             <a:pPr algn="just"/>
             <a:r>
               <a:rPr lang="es-CO" sz="3200" b="1" dirty="0" smtClean="0"/>
-              <a:t>Impacto económico: </a:t>
-            </a:r>
-            <a:r>
-              <a:rPr lang="es-CO" sz="3200" b="1" dirty="0"/>
-              <a:t> </a:t>
+              <a:t>E</a:t>
+            </a:r>
+            <a:r>
+              <a:rPr lang="es-CO" sz="3200" b="1" dirty="0" smtClean="0"/>
+              <a:t>conómico: </a:t>
+            </a:r>
+            <a:r>
+              <a:rPr lang="es-CO" sz="3200" dirty="0" smtClean="0"/>
+              <a:t>Los </a:t>
             </a:r>
             <a:r>
               <a:rPr lang="es-CO" sz="3200" dirty="0"/>
-              <a:t>Los materiales para la fabricación de la manilla no son elevados, por consiguiente, será más accesible económicamente para los usuarios al momento de obtenerla.</a:t>
+              <a:t>materiales para la fabricación de la manilla no son elevados, por consiguiente, será más accesible económicamente para los usuarios al momento de obtenerla.</a:t>
             </a:r>
           </a:p>
           <a:p>
@@ -2849,7 +2871,11 @@
             <a:pPr algn="just"/>
             <a:r>
               <a:rPr lang="es-CO" sz="3200" b="1" dirty="0" smtClean="0"/>
-              <a:t>Impacto tecnológico: </a:t>
+              <a:t>Tecnológico</a:t>
+            </a:r>
+            <a:r>
+              <a:rPr lang="es-CO" sz="3200" b="1" dirty="0" smtClean="0"/>
+              <a:t>: </a:t>
             </a:r>
             <a:r>
               <a:rPr lang="es-MX" sz="3200" dirty="0"/>
